--- a/CS5720-Neural Network and Deep Learning/NN_Final_Project/Documentation/Project Presentation.pptx
+++ b/CS5720-Neural Network and Deep Learning/NN_Final_Project/Documentation/Project Presentation.pptx
@@ -3734,7 +3734,7 @@
           <a:p>
             <a:fld id="{EA0C0817-A112-4847-8014-A94B7D2A4EA3}" type="datetime1">
               <a:rPr lang="en-US" smtClean="0"/>
-              <a:t>4/15/2024</a:t>
+              <a:t>4/16/2024</a:t>
             </a:fld>
             <a:endParaRPr lang="en-US" dirty="0"/>
           </a:p>
@@ -3936,7 +3936,7 @@
           <a:p>
             <a:fld id="{134F40B7-36AB-4376-BE14-EF7004D79BB9}" type="datetime1">
               <a:rPr lang="en-US" smtClean="0"/>
-              <a:t>4/15/2024</a:t>
+              <a:t>4/16/2024</a:t>
             </a:fld>
             <a:endParaRPr lang="en-US" dirty="0"/>
           </a:p>
@@ -4116,7 +4116,7 @@
           <a:p>
             <a:fld id="{FF87CAB8-DCAE-46A5-AADA-B3FAD11A54E0}" type="datetime1">
               <a:rPr lang="en-US" smtClean="0"/>
-              <a:t>4/15/2024</a:t>
+              <a:t>4/16/2024</a:t>
             </a:fld>
             <a:endParaRPr lang="en-US" dirty="0"/>
           </a:p>
@@ -4286,7 +4286,7 @@
           <a:p>
             <a:fld id="{7332B432-ACDA-4023-A761-2BAB76577B62}" type="datetime1">
               <a:rPr lang="en-US" smtClean="0"/>
-              <a:t>4/15/2024</a:t>
+              <a:t>4/16/2024</a:t>
             </a:fld>
             <a:endParaRPr lang="en-US" dirty="0"/>
           </a:p>
@@ -4885,7 +4885,7 @@
           <a:p>
             <a:fld id="{D9C646AA-F36E-4540-911D-FFFC0A0EF24A}" type="datetime1">
               <a:rPr lang="en-US" smtClean="0"/>
-              <a:t>4/15/2024</a:t>
+              <a:t>4/16/2024</a:t>
             </a:fld>
             <a:endParaRPr lang="en-US" dirty="0"/>
           </a:p>
@@ -5205,7 +5205,7 @@
           <a:p>
             <a:fld id="{69186D26-FA5F-4637-B602-B7C2DC34CFD4}" type="datetime1">
               <a:rPr lang="en-US" smtClean="0"/>
-              <a:t>4/15/2024</a:t>
+              <a:t>4/16/2024</a:t>
             </a:fld>
             <a:endParaRPr lang="en-US" dirty="0"/>
           </a:p>
@@ -5642,7 +5642,7 @@
           <a:p>
             <a:fld id="{8A7F15D8-96D1-4781-BC50-CA8A088B2FE4}" type="datetime1">
               <a:rPr lang="en-US" smtClean="0"/>
-              <a:t>4/15/2024</a:t>
+              <a:t>4/16/2024</a:t>
             </a:fld>
             <a:endParaRPr lang="en-US" dirty="0"/>
           </a:p>
@@ -5760,7 +5760,7 @@
           <a:p>
             <a:fld id="{F9A96C99-B8F8-4528-BD05-0E16E943DC09}" type="datetime1">
               <a:rPr lang="en-US" smtClean="0"/>
-              <a:t>4/15/2024</a:t>
+              <a:t>4/16/2024</a:t>
             </a:fld>
             <a:endParaRPr lang="en-US" dirty="0"/>
           </a:p>
@@ -5855,7 +5855,7 @@
           <a:p>
             <a:fld id="{03636942-C211-4B28-8DBD-C953E00AF71B}" type="datetime1">
               <a:rPr lang="en-US" smtClean="0"/>
-              <a:t>4/15/2024</a:t>
+              <a:t>4/16/2024</a:t>
             </a:fld>
             <a:endParaRPr lang="en-US" dirty="0"/>
           </a:p>
@@ -6272,7 +6272,7 @@
           <a:p>
             <a:fld id="{7E8D12A6-918A-48BD-8CB9-CA713993B0EA}" type="datetime1">
               <a:rPr lang="en-US" smtClean="0"/>
-              <a:t>4/15/2024</a:t>
+              <a:t>4/16/2024</a:t>
             </a:fld>
             <a:endParaRPr lang="en-US" dirty="0"/>
           </a:p>
@@ -6534,7 +6534,7 @@
             <a:fld id="{E778CE86-875F-4587-BCF6-FA054AFC0D53}" type="datetime1">
               <a:rPr lang="en-US" smtClean="0"/>
               <a:pPr/>
-              <a:t>4/15/2024</a:t>
+              <a:t>4/16/2024</a:t>
             </a:fld>
             <a:endParaRPr lang="en-US" dirty="0"/>
           </a:p>
@@ -7050,7 +7050,7 @@
           <a:p>
             <a:fld id="{F6FA2B21-3FCD-4721-B95C-427943F61125}" type="datetime1">
               <a:rPr lang="en-US" smtClean="0"/>
-              <a:t>4/15/2024</a:t>
+              <a:t>4/16/2024</a:t>
             </a:fld>
             <a:endParaRPr lang="en-US" dirty="0"/>
           </a:p>
@@ -7936,7 +7936,10 @@
           <a:lstStyle/>
           <a:p>
             <a:pPr algn="ctr"/>
-            <a:endParaRPr lang="en-IN" dirty="0"/>
+            <a:r>
+              <a:rPr lang="en-IN" sz="800" dirty="0"/>
+              <a:t>cloud</a:t>
+            </a:r>
           </a:p>
         </p:txBody>
       </p:sp>
@@ -7982,7 +7985,10 @@
           <a:lstStyle/>
           <a:p>
             <a:pPr algn="ctr"/>
-            <a:endParaRPr lang="en-IN"/>
+            <a:r>
+              <a:rPr lang="en-IN" sz="800" dirty="0"/>
+              <a:t>spreadsheets</a:t>
+            </a:r>
           </a:p>
         </p:txBody>
       </p:sp>
@@ -10333,7 +10339,7 @@
             </a:pPr>
             <a:r>
               <a:rPr lang="en-US" sz="1400" dirty="0"/>
-              <a:t>Goal: Utilize cutting-edge NLP techniques, including LSTM and FFNN models, to conduct a deep semantic analysis of restaurant feedback.</a:t>
+              <a:t>Goal: Utilize cutting-edge NLP techniques, including Deep Learning Algorithms such as LSTM models, to conduct a deep semantic analysis of restaurant feedback.</a:t>
             </a:r>
           </a:p>
           <a:p>
@@ -11371,24 +11377,6 @@
 </file>
 
 <file path=customXml/item1.xml><?xml version="1.0" encoding="utf-8"?>
-<p:properties xmlns:p="http://schemas.microsoft.com/office/2006/metadata/properties" xmlns:xsi="http://www.w3.org/2001/XMLSchema-instance" xmlns:pc="http://schemas.microsoft.com/office/infopath/2007/PartnerControls">
-  <documentManagement>
-    <Status xmlns="71af3243-3dd4-4a8d-8c0d-dd76da1f02a5">Not started</Status>
-    <MediaServiceKeyPoints xmlns="71af3243-3dd4-4a8d-8c0d-dd76da1f02a5" xsi:nil="true"/>
-  </documentManagement>
-</p:properties>
-</file>
-
-<file path=customXml/item2.xml><?xml version="1.0" encoding="utf-8"?>
-<?mso-contentType ?>
-<FormTemplates xmlns="http://schemas.microsoft.com/sharepoint/v3/contenttype/forms">
-  <Display>DocumentLibraryForm</Display>
-  <Edit>DocumentLibraryForm</Edit>
-  <New>DocumentLibraryForm</New>
-</FormTemplates>
-</file>
-
-<file path=customXml/item3.xml><?xml version="1.0" encoding="utf-8"?>
 <ct:contentTypeSchema xmlns:ct="http://schemas.microsoft.com/office/2006/metadata/contentType" xmlns:ma="http://schemas.microsoft.com/office/2006/metadata/properties/metaAttributes" ct:_="" ma:_="" ma:contentTypeName="Document" ma:contentTypeID="0x01010079F111ED35F8CC479449609E8A0923A6" ma:contentTypeVersion="12" ma:contentTypeDescription="Create a new document." ma:contentTypeScope="" ma:versionID="a410dd7f93c95333ffa1b60ed6adedd1">
   <xsd:schema xmlns:xsd="http://www.w3.org/2001/XMLSchema" xmlns:xs="http://www.w3.org/2001/XMLSchema" xmlns:p="http://schemas.microsoft.com/office/2006/metadata/properties" xmlns:ns2="71af3243-3dd4-4a8d-8c0d-dd76da1f02a5" xmlns:ns3="16c05727-aa75-4e4a-9b5f-8a80a1165891" targetNamespace="http://schemas.microsoft.com/office/2006/metadata/properties" ma:root="true" ma:fieldsID="a936d9baba76aa3866493feff160faab" ns2:_="" ns3:_="">
     <xsd:import namespace="71af3243-3dd4-4a8d-8c0d-dd76da1f02a5"/>
@@ -11609,25 +11597,25 @@
 </ct:contentTypeSchema>
 </file>
 
-<file path=customXml/itemProps1.xml><?xml version="1.0" encoding="utf-8"?>
-<ds:datastoreItem xmlns:ds="http://schemas.openxmlformats.org/officeDocument/2006/customXml" ds:itemID="{B975FBC4-9D33-46BE-911D-419763BA9AF9}">
-  <ds:schemaRefs>
-    <ds:schemaRef ds:uri="http://schemas.microsoft.com/office/2006/metadata/properties"/>
-    <ds:schemaRef ds:uri="http://schemas.microsoft.com/office/infopath/2007/PartnerControls"/>
-    <ds:schemaRef ds:uri="71af3243-3dd4-4a8d-8c0d-dd76da1f02a5"/>
-  </ds:schemaRefs>
-</ds:datastoreItem>
+<file path=customXml/item2.xml><?xml version="1.0" encoding="utf-8"?>
+<?mso-contentType ?>
+<FormTemplates xmlns="http://schemas.microsoft.com/sharepoint/v3/contenttype/forms">
+  <Display>DocumentLibraryForm</Display>
+  <Edit>DocumentLibraryForm</Edit>
+  <New>DocumentLibraryForm</New>
+</FormTemplates>
 </file>
 
-<file path=customXml/itemProps2.xml><?xml version="1.0" encoding="utf-8"?>
-<ds:datastoreItem xmlns:ds="http://schemas.openxmlformats.org/officeDocument/2006/customXml" ds:itemID="{294F055B-D391-44D3-A87A-BCD07BD5A31C}">
-  <ds:schemaRefs>
-    <ds:schemaRef ds:uri="http://schemas.microsoft.com/sharepoint/v3/contenttype/forms"/>
-  </ds:schemaRefs>
-</ds:datastoreItem>
+<file path=customXml/item3.xml><?xml version="1.0" encoding="utf-8"?>
+<p:properties xmlns:p="http://schemas.microsoft.com/office/2006/metadata/properties" xmlns:xsi="http://www.w3.org/2001/XMLSchema-instance" xmlns:pc="http://schemas.microsoft.com/office/infopath/2007/PartnerControls">
+  <documentManagement>
+    <Status xmlns="71af3243-3dd4-4a8d-8c0d-dd76da1f02a5">Not started</Status>
+    <MediaServiceKeyPoints xmlns="71af3243-3dd4-4a8d-8c0d-dd76da1f02a5" xsi:nil="true"/>
+  </documentManagement>
+</p:properties>
 </file>
 
-<file path=customXml/itemProps3.xml><?xml version="1.0" encoding="utf-8"?>
+<file path=customXml/itemProps1.xml><?xml version="1.0" encoding="utf-8"?>
 <ds:datastoreItem xmlns:ds="http://schemas.openxmlformats.org/officeDocument/2006/customXml" ds:itemID="{26DBD101-FC0A-4B21-82B0-57CAA7AEEC71}">
   <ds:schemaRefs>
     <ds:schemaRef ds:uri="http://schemas.microsoft.com/office/2006/metadata/contentType"/>
@@ -11644,4 +11632,22 @@
     <ds:schemaRef ds:uri="http://schemas.microsoft.com/internal/obd"/>
   </ds:schemaRefs>
 </ds:datastoreItem>
+</file>
+
+<file path=customXml/itemProps2.xml><?xml version="1.0" encoding="utf-8"?>
+<ds:datastoreItem xmlns:ds="http://schemas.openxmlformats.org/officeDocument/2006/customXml" ds:itemID="{294F055B-D391-44D3-A87A-BCD07BD5A31C}">
+  <ds:schemaRefs>
+    <ds:schemaRef ds:uri="http://schemas.microsoft.com/sharepoint/v3/contenttype/forms"/>
+  </ds:schemaRefs>
+</ds:datastoreItem>
+</file>
+
+<file path=customXml/itemProps3.xml><?xml version="1.0" encoding="utf-8"?>
+<ds:datastoreItem xmlns:ds="http://schemas.openxmlformats.org/officeDocument/2006/customXml" ds:itemID="{B975FBC4-9D33-46BE-911D-419763BA9AF9}">
+  <ds:schemaRefs>
+    <ds:schemaRef ds:uri="http://schemas.microsoft.com/office/2006/metadata/properties"/>
+    <ds:schemaRef ds:uri="http://schemas.microsoft.com/office/infopath/2007/PartnerControls"/>
+    <ds:schemaRef ds:uri="71af3243-3dd4-4a8d-8c0d-dd76da1f02a5"/>
+  </ds:schemaRefs>
+</ds:datastoreItem>
 </file>
--- a/CS5720-Neural Network and Deep Learning/NN_Final_Project/Documentation/Project Presentation.pptx
+++ b/CS5720-Neural Network and Deep Learning/NN_Final_Project/Documentation/Project Presentation.pptx
@@ -3734,7 +3734,7 @@
           <a:p>
             <a:fld id="{EA0C0817-A112-4847-8014-A94B7D2A4EA3}" type="datetime1">
               <a:rPr lang="en-US" smtClean="0"/>
-              <a:t>4/16/2024</a:t>
+              <a:t>4/22/2024</a:t>
             </a:fld>
             <a:endParaRPr lang="en-US" dirty="0"/>
           </a:p>
@@ -3936,7 +3936,7 @@
           <a:p>
             <a:fld id="{134F40B7-36AB-4376-BE14-EF7004D79BB9}" type="datetime1">
               <a:rPr lang="en-US" smtClean="0"/>
-              <a:t>4/16/2024</a:t>
+              <a:t>4/22/2024</a:t>
             </a:fld>
             <a:endParaRPr lang="en-US" dirty="0"/>
           </a:p>
@@ -4116,7 +4116,7 @@
           <a:p>
             <a:fld id="{FF87CAB8-DCAE-46A5-AADA-B3FAD11A54E0}" type="datetime1">
               <a:rPr lang="en-US" smtClean="0"/>
-              <a:t>4/16/2024</a:t>
+              <a:t>4/22/2024</a:t>
             </a:fld>
             <a:endParaRPr lang="en-US" dirty="0"/>
           </a:p>
@@ -4286,7 +4286,7 @@
           <a:p>
             <a:fld id="{7332B432-ACDA-4023-A761-2BAB76577B62}" type="datetime1">
               <a:rPr lang="en-US" smtClean="0"/>
-              <a:t>4/16/2024</a:t>
+              <a:t>4/22/2024</a:t>
             </a:fld>
             <a:endParaRPr lang="en-US" dirty="0"/>
           </a:p>
@@ -4885,7 +4885,7 @@
           <a:p>
             <a:fld id="{D9C646AA-F36E-4540-911D-FFFC0A0EF24A}" type="datetime1">
               <a:rPr lang="en-US" smtClean="0"/>
-              <a:t>4/16/2024</a:t>
+              <a:t>4/22/2024</a:t>
             </a:fld>
             <a:endParaRPr lang="en-US" dirty="0"/>
           </a:p>
@@ -5205,7 +5205,7 @@
           <a:p>
             <a:fld id="{69186D26-FA5F-4637-B602-B7C2DC34CFD4}" type="datetime1">
               <a:rPr lang="en-US" smtClean="0"/>
-              <a:t>4/16/2024</a:t>
+              <a:t>4/22/2024</a:t>
             </a:fld>
             <a:endParaRPr lang="en-US" dirty="0"/>
           </a:p>
@@ -5642,7 +5642,7 @@
           <a:p>
             <a:fld id="{8A7F15D8-96D1-4781-BC50-CA8A088B2FE4}" type="datetime1">
               <a:rPr lang="en-US" smtClean="0"/>
-              <a:t>4/16/2024</a:t>
+              <a:t>4/22/2024</a:t>
             </a:fld>
             <a:endParaRPr lang="en-US" dirty="0"/>
           </a:p>
@@ -5760,7 +5760,7 @@
           <a:p>
             <a:fld id="{F9A96C99-B8F8-4528-BD05-0E16E943DC09}" type="datetime1">
               <a:rPr lang="en-US" smtClean="0"/>
-              <a:t>4/16/2024</a:t>
+              <a:t>4/22/2024</a:t>
             </a:fld>
             <a:endParaRPr lang="en-US" dirty="0"/>
           </a:p>
@@ -5855,7 +5855,7 @@
           <a:p>
             <a:fld id="{03636942-C211-4B28-8DBD-C953E00AF71B}" type="datetime1">
               <a:rPr lang="en-US" smtClean="0"/>
-              <a:t>4/16/2024</a:t>
+              <a:t>4/22/2024</a:t>
             </a:fld>
             <a:endParaRPr lang="en-US" dirty="0"/>
           </a:p>
@@ -6272,7 +6272,7 @@
           <a:p>
             <a:fld id="{7E8D12A6-918A-48BD-8CB9-CA713993B0EA}" type="datetime1">
               <a:rPr lang="en-US" smtClean="0"/>
-              <a:t>4/16/2024</a:t>
+              <a:t>4/22/2024</a:t>
             </a:fld>
             <a:endParaRPr lang="en-US" dirty="0"/>
           </a:p>
@@ -6534,7 +6534,7 @@
             <a:fld id="{E778CE86-875F-4587-BCF6-FA054AFC0D53}" type="datetime1">
               <a:rPr lang="en-US" smtClean="0"/>
               <a:pPr/>
-              <a:t>4/16/2024</a:t>
+              <a:t>4/22/2024</a:t>
             </a:fld>
             <a:endParaRPr lang="en-US" dirty="0"/>
           </a:p>
@@ -7050,7 +7050,7 @@
           <a:p>
             <a:fld id="{F6FA2B21-3FCD-4721-B95C-427943F61125}" type="datetime1">
               <a:rPr lang="en-US" smtClean="0"/>
-              <a:t>4/16/2024</a:t>
+              <a:t>4/22/2024</a:t>
             </a:fld>
             <a:endParaRPr lang="en-US" dirty="0"/>
           </a:p>
@@ -11377,6 +11377,24 @@
 </file>
 
 <file path=customXml/item1.xml><?xml version="1.0" encoding="utf-8"?>
+<p:properties xmlns:p="http://schemas.microsoft.com/office/2006/metadata/properties" xmlns:xsi="http://www.w3.org/2001/XMLSchema-instance" xmlns:pc="http://schemas.microsoft.com/office/infopath/2007/PartnerControls">
+  <documentManagement>
+    <Status xmlns="71af3243-3dd4-4a8d-8c0d-dd76da1f02a5">Not started</Status>
+    <MediaServiceKeyPoints xmlns="71af3243-3dd4-4a8d-8c0d-dd76da1f02a5" xsi:nil="true"/>
+  </documentManagement>
+</p:properties>
+</file>
+
+<file path=customXml/item2.xml><?xml version="1.0" encoding="utf-8"?>
+<?mso-contentType ?>
+<FormTemplates xmlns="http://schemas.microsoft.com/sharepoint/v3/contenttype/forms">
+  <Display>DocumentLibraryForm</Display>
+  <Edit>DocumentLibraryForm</Edit>
+  <New>DocumentLibraryForm</New>
+</FormTemplates>
+</file>
+
+<file path=customXml/item3.xml><?xml version="1.0" encoding="utf-8"?>
 <ct:contentTypeSchema xmlns:ct="http://schemas.microsoft.com/office/2006/metadata/contentType" xmlns:ma="http://schemas.microsoft.com/office/2006/metadata/properties/metaAttributes" ct:_="" ma:_="" ma:contentTypeName="Document" ma:contentTypeID="0x01010079F111ED35F8CC479449609E8A0923A6" ma:contentTypeVersion="12" ma:contentTypeDescription="Create a new document." ma:contentTypeScope="" ma:versionID="a410dd7f93c95333ffa1b60ed6adedd1">
   <xsd:schema xmlns:xsd="http://www.w3.org/2001/XMLSchema" xmlns:xs="http://www.w3.org/2001/XMLSchema" xmlns:p="http://schemas.microsoft.com/office/2006/metadata/properties" xmlns:ns2="71af3243-3dd4-4a8d-8c0d-dd76da1f02a5" xmlns:ns3="16c05727-aa75-4e4a-9b5f-8a80a1165891" targetNamespace="http://schemas.microsoft.com/office/2006/metadata/properties" ma:root="true" ma:fieldsID="a936d9baba76aa3866493feff160faab" ns2:_="" ns3:_="">
     <xsd:import namespace="71af3243-3dd4-4a8d-8c0d-dd76da1f02a5"/>
@@ -11597,25 +11615,25 @@
 </ct:contentTypeSchema>
 </file>
 
-<file path=customXml/item2.xml><?xml version="1.0" encoding="utf-8"?>
-<?mso-contentType ?>
-<FormTemplates xmlns="http://schemas.microsoft.com/sharepoint/v3/contenttype/forms">
-  <Display>DocumentLibraryForm</Display>
-  <Edit>DocumentLibraryForm</Edit>
-  <New>DocumentLibraryForm</New>
-</FormTemplates>
+<file path=customXml/itemProps1.xml><?xml version="1.0" encoding="utf-8"?>
+<ds:datastoreItem xmlns:ds="http://schemas.openxmlformats.org/officeDocument/2006/customXml" ds:itemID="{B975FBC4-9D33-46BE-911D-419763BA9AF9}">
+  <ds:schemaRefs>
+    <ds:schemaRef ds:uri="http://schemas.microsoft.com/office/2006/metadata/properties"/>
+    <ds:schemaRef ds:uri="http://schemas.microsoft.com/office/infopath/2007/PartnerControls"/>
+    <ds:schemaRef ds:uri="71af3243-3dd4-4a8d-8c0d-dd76da1f02a5"/>
+  </ds:schemaRefs>
+</ds:datastoreItem>
 </file>
 
-<file path=customXml/item3.xml><?xml version="1.0" encoding="utf-8"?>
-<p:properties xmlns:p="http://schemas.microsoft.com/office/2006/metadata/properties" xmlns:xsi="http://www.w3.org/2001/XMLSchema-instance" xmlns:pc="http://schemas.microsoft.com/office/infopath/2007/PartnerControls">
-  <documentManagement>
-    <Status xmlns="71af3243-3dd4-4a8d-8c0d-dd76da1f02a5">Not started</Status>
-    <MediaServiceKeyPoints xmlns="71af3243-3dd4-4a8d-8c0d-dd76da1f02a5" xsi:nil="true"/>
-  </documentManagement>
-</p:properties>
+<file path=customXml/itemProps2.xml><?xml version="1.0" encoding="utf-8"?>
+<ds:datastoreItem xmlns:ds="http://schemas.openxmlformats.org/officeDocument/2006/customXml" ds:itemID="{294F055B-D391-44D3-A87A-BCD07BD5A31C}">
+  <ds:schemaRefs>
+    <ds:schemaRef ds:uri="http://schemas.microsoft.com/sharepoint/v3/contenttype/forms"/>
+  </ds:schemaRefs>
+</ds:datastoreItem>
 </file>
 
-<file path=customXml/itemProps1.xml><?xml version="1.0" encoding="utf-8"?>
+<file path=customXml/itemProps3.xml><?xml version="1.0" encoding="utf-8"?>
 <ds:datastoreItem xmlns:ds="http://schemas.openxmlformats.org/officeDocument/2006/customXml" ds:itemID="{26DBD101-FC0A-4B21-82B0-57CAA7AEEC71}">
   <ds:schemaRefs>
     <ds:schemaRef ds:uri="http://schemas.microsoft.com/office/2006/metadata/contentType"/>
@@ -11632,22 +11650,4 @@
     <ds:schemaRef ds:uri="http://schemas.microsoft.com/internal/obd"/>
   </ds:schemaRefs>
 </ds:datastoreItem>
-</file>
-
-<file path=customXml/itemProps2.xml><?xml version="1.0" encoding="utf-8"?>
-<ds:datastoreItem xmlns:ds="http://schemas.openxmlformats.org/officeDocument/2006/customXml" ds:itemID="{294F055B-D391-44D3-A87A-BCD07BD5A31C}">
-  <ds:schemaRefs>
-    <ds:schemaRef ds:uri="http://schemas.microsoft.com/sharepoint/v3/contenttype/forms"/>
-  </ds:schemaRefs>
-</ds:datastoreItem>
-</file>
-
-<file path=customXml/itemProps3.xml><?xml version="1.0" encoding="utf-8"?>
-<ds:datastoreItem xmlns:ds="http://schemas.openxmlformats.org/officeDocument/2006/customXml" ds:itemID="{B975FBC4-9D33-46BE-911D-419763BA9AF9}">
-  <ds:schemaRefs>
-    <ds:schemaRef ds:uri="http://schemas.microsoft.com/office/2006/metadata/properties"/>
-    <ds:schemaRef ds:uri="http://schemas.microsoft.com/office/infopath/2007/PartnerControls"/>
-    <ds:schemaRef ds:uri="71af3243-3dd4-4a8d-8c0d-dd76da1f02a5"/>
-  </ds:schemaRefs>
-</ds:datastoreItem>
 </file>
--- a/CS5720-Neural Network and Deep Learning/NN_Final_Project/Documentation/Project Presentation.pptx
+++ b/CS5720-Neural Network and Deep Learning/NN_Final_Project/Documentation/Project Presentation.pptx
@@ -9,14 +9,16 @@
     <p:sldId id="296" r:id="rId6"/>
     <p:sldId id="297" r:id="rId7"/>
     <p:sldId id="298" r:id="rId8"/>
-    <p:sldId id="299" r:id="rId9"/>
-    <p:sldId id="305" r:id="rId10"/>
+    <p:sldId id="305" r:id="rId9"/>
+    <p:sldId id="299" r:id="rId10"/>
     <p:sldId id="300" r:id="rId11"/>
     <p:sldId id="301" r:id="rId12"/>
     <p:sldId id="302" r:id="rId13"/>
     <p:sldId id="295" r:id="rId14"/>
-    <p:sldId id="303" r:id="rId15"/>
-    <p:sldId id="304" r:id="rId16"/>
+    <p:sldId id="307" r:id="rId15"/>
+    <p:sldId id="306" r:id="rId16"/>
+    <p:sldId id="303" r:id="rId17"/>
+    <p:sldId id="304" r:id="rId18"/>
   </p:sldIdLst>
   <p:sldSz cx="12192000" cy="6858000"/>
   <p:notesSz cx="6858000" cy="9144000"/>
@@ -3734,7 +3736,7 @@
           <a:p>
             <a:fld id="{EA0C0817-A112-4847-8014-A94B7D2A4EA3}" type="datetime1">
               <a:rPr lang="en-US" smtClean="0"/>
-              <a:t>4/22/2024</a:t>
+              <a:t>4/23/2024</a:t>
             </a:fld>
             <a:endParaRPr lang="en-US" dirty="0"/>
           </a:p>
@@ -3936,7 +3938,7 @@
           <a:p>
             <a:fld id="{134F40B7-36AB-4376-BE14-EF7004D79BB9}" type="datetime1">
               <a:rPr lang="en-US" smtClean="0"/>
-              <a:t>4/22/2024</a:t>
+              <a:t>4/23/2024</a:t>
             </a:fld>
             <a:endParaRPr lang="en-US" dirty="0"/>
           </a:p>
@@ -4116,7 +4118,7 @@
           <a:p>
             <a:fld id="{FF87CAB8-DCAE-46A5-AADA-B3FAD11A54E0}" type="datetime1">
               <a:rPr lang="en-US" smtClean="0"/>
-              <a:t>4/22/2024</a:t>
+              <a:t>4/23/2024</a:t>
             </a:fld>
             <a:endParaRPr lang="en-US" dirty="0"/>
           </a:p>
@@ -4286,7 +4288,7 @@
           <a:p>
             <a:fld id="{7332B432-ACDA-4023-A761-2BAB76577B62}" type="datetime1">
               <a:rPr lang="en-US" smtClean="0"/>
-              <a:t>4/22/2024</a:t>
+              <a:t>4/23/2024</a:t>
             </a:fld>
             <a:endParaRPr lang="en-US" dirty="0"/>
           </a:p>
@@ -4885,7 +4887,7 @@
           <a:p>
             <a:fld id="{D9C646AA-F36E-4540-911D-FFFC0A0EF24A}" type="datetime1">
               <a:rPr lang="en-US" smtClean="0"/>
-              <a:t>4/22/2024</a:t>
+              <a:t>4/23/2024</a:t>
             </a:fld>
             <a:endParaRPr lang="en-US" dirty="0"/>
           </a:p>
@@ -5205,7 +5207,7 @@
           <a:p>
             <a:fld id="{69186D26-FA5F-4637-B602-B7C2DC34CFD4}" type="datetime1">
               <a:rPr lang="en-US" smtClean="0"/>
-              <a:t>4/22/2024</a:t>
+              <a:t>4/23/2024</a:t>
             </a:fld>
             <a:endParaRPr lang="en-US" dirty="0"/>
           </a:p>
@@ -5642,7 +5644,7 @@
           <a:p>
             <a:fld id="{8A7F15D8-96D1-4781-BC50-CA8A088B2FE4}" type="datetime1">
               <a:rPr lang="en-US" smtClean="0"/>
-              <a:t>4/22/2024</a:t>
+              <a:t>4/23/2024</a:t>
             </a:fld>
             <a:endParaRPr lang="en-US" dirty="0"/>
           </a:p>
@@ -5760,7 +5762,7 @@
           <a:p>
             <a:fld id="{F9A96C99-B8F8-4528-BD05-0E16E943DC09}" type="datetime1">
               <a:rPr lang="en-US" smtClean="0"/>
-              <a:t>4/22/2024</a:t>
+              <a:t>4/23/2024</a:t>
             </a:fld>
             <a:endParaRPr lang="en-US" dirty="0"/>
           </a:p>
@@ -5855,7 +5857,7 @@
           <a:p>
             <a:fld id="{03636942-C211-4B28-8DBD-C953E00AF71B}" type="datetime1">
               <a:rPr lang="en-US" smtClean="0"/>
-              <a:t>4/22/2024</a:t>
+              <a:t>4/23/2024</a:t>
             </a:fld>
             <a:endParaRPr lang="en-US" dirty="0"/>
           </a:p>
@@ -6272,7 +6274,7 @@
           <a:p>
             <a:fld id="{7E8D12A6-918A-48BD-8CB9-CA713993B0EA}" type="datetime1">
               <a:rPr lang="en-US" smtClean="0"/>
-              <a:t>4/22/2024</a:t>
+              <a:t>4/23/2024</a:t>
             </a:fld>
             <a:endParaRPr lang="en-US" dirty="0"/>
           </a:p>
@@ -6534,7 +6536,7 @@
             <a:fld id="{E778CE86-875F-4587-BCF6-FA054AFC0D53}" type="datetime1">
               <a:rPr lang="en-US" smtClean="0"/>
               <a:pPr/>
-              <a:t>4/22/2024</a:t>
+              <a:t>4/23/2024</a:t>
             </a:fld>
             <a:endParaRPr lang="en-US" dirty="0"/>
           </a:p>
@@ -7050,7 +7052,7 @@
           <a:p>
             <a:fld id="{F6FA2B21-3FCD-4721-B95C-427943F61125}" type="datetime1">
               <a:rPr lang="en-US" smtClean="0"/>
-              <a:t>4/22/2024</a:t>
+              <a:t>4/23/2024</a:t>
             </a:fld>
             <a:endParaRPr lang="en-US" dirty="0"/>
           </a:p>
@@ -8105,6 +8107,217 @@
           <p:cNvPr id="2" name="Title 1">
             <a:extLst>
               <a:ext uri="{FF2B5EF4-FFF2-40B4-BE49-F238E27FC236}">
+                <a16:creationId xmlns:a16="http://schemas.microsoft.com/office/drawing/2014/main" id="{AFEF85BE-8EAA-F95B-FCB7-BE41B3C2168C}"/>
+              </a:ext>
+            </a:extLst>
+          </p:cNvPr>
+          <p:cNvSpPr>
+            <a:spLocks noGrp="1"/>
+          </p:cNvSpPr>
+          <p:nvPr>
+            <p:ph type="title"/>
+          </p:nvPr>
+        </p:nvSpPr>
+        <p:spPr>
+          <a:xfrm>
+            <a:off x="588818" y="642594"/>
+            <a:ext cx="10536382" cy="604315"/>
+          </a:xfrm>
+        </p:spPr>
+        <p:txBody>
+          <a:bodyPr>
+            <a:normAutofit fontScale="90000"/>
+          </a:bodyPr>
+          <a:lstStyle/>
+          <a:p>
+            <a:r>
+              <a:rPr lang="en-IN" dirty="0"/>
+              <a:t>Model Architecture</a:t>
+            </a:r>
+          </a:p>
+        </p:txBody>
+      </p:sp>
+      <p:pic>
+        <p:nvPicPr>
+          <p:cNvPr id="5" name="Content Placeholder 4">
+            <a:extLst>
+              <a:ext uri="{FF2B5EF4-FFF2-40B4-BE49-F238E27FC236}">
+                <a16:creationId xmlns:a16="http://schemas.microsoft.com/office/drawing/2014/main" id="{16632E7C-B70A-8059-E2C1-3E5411CEE3F6}"/>
+              </a:ext>
+            </a:extLst>
+          </p:cNvPr>
+          <p:cNvPicPr>
+            <a:picLocks noGrp="1" noChangeAspect="1"/>
+          </p:cNvPicPr>
+          <p:nvPr>
+            <p:ph idx="1"/>
+          </p:nvPr>
+        </p:nvPicPr>
+        <p:blipFill>
+          <a:blip r:embed="rId2"/>
+          <a:stretch>
+            <a:fillRect/>
+          </a:stretch>
+        </p:blipFill>
+        <p:spPr>
+          <a:xfrm>
+            <a:off x="3595255" y="1262912"/>
+            <a:ext cx="3427581" cy="5068616"/>
+          </a:xfrm>
+        </p:spPr>
+      </p:pic>
+    </p:spTree>
+    <p:extLst>
+      <p:ext uri="{BB962C8B-B14F-4D97-AF65-F5344CB8AC3E}">
+        <p14:creationId xmlns:p14="http://schemas.microsoft.com/office/powerpoint/2010/main" val="4206106387"/>
+      </p:ext>
+    </p:extLst>
+  </p:cSld>
+  <p:clrMapOvr>
+    <a:masterClrMapping/>
+  </p:clrMapOvr>
+</p:sld>
+</file>
+
+<file path=ppt/slides/slide12.xml><?xml version="1.0" encoding="utf-8"?>
+<p:sld xmlns:a="http://schemas.openxmlformats.org/drawingml/2006/main" xmlns:r="http://schemas.openxmlformats.org/officeDocument/2006/relationships" xmlns:p="http://schemas.openxmlformats.org/presentationml/2006/main">
+  <p:cSld>
+    <p:spTree>
+      <p:nvGrpSpPr>
+        <p:cNvPr id="1" name=""/>
+        <p:cNvGrpSpPr/>
+        <p:nvPr/>
+      </p:nvGrpSpPr>
+      <p:grpSpPr>
+        <a:xfrm>
+          <a:off x="0" y="0"/>
+          <a:ext cx="0" cy="0"/>
+          <a:chOff x="0" y="0"/>
+          <a:chExt cx="0" cy="0"/>
+        </a:xfrm>
+      </p:grpSpPr>
+      <p:sp>
+        <p:nvSpPr>
+          <p:cNvPr id="2" name="Title 1">
+            <a:extLst>
+              <a:ext uri="{FF2B5EF4-FFF2-40B4-BE49-F238E27FC236}">
+                <a16:creationId xmlns:a16="http://schemas.microsoft.com/office/drawing/2014/main" id="{B75B9639-99A7-C6FC-C494-47454D6A99E0}"/>
+              </a:ext>
+            </a:extLst>
+          </p:cNvPr>
+          <p:cNvSpPr>
+            <a:spLocks noGrp="1"/>
+          </p:cNvSpPr>
+          <p:nvPr>
+            <p:ph type="title"/>
+          </p:nvPr>
+        </p:nvSpPr>
+        <p:spPr/>
+        <p:txBody>
+          <a:bodyPr/>
+          <a:lstStyle/>
+          <a:p>
+            <a:r>
+              <a:rPr lang="en-IN" dirty="0"/>
+              <a:t>Model Evaluation</a:t>
+            </a:r>
+          </a:p>
+        </p:txBody>
+      </p:sp>
+      <p:pic>
+        <p:nvPicPr>
+          <p:cNvPr id="5" name="Content Placeholder 4">
+            <a:extLst>
+              <a:ext uri="{FF2B5EF4-FFF2-40B4-BE49-F238E27FC236}">
+                <a16:creationId xmlns:a16="http://schemas.microsoft.com/office/drawing/2014/main" id="{908FF309-BDB4-EA43-6569-37666F35C892}"/>
+              </a:ext>
+            </a:extLst>
+          </p:cNvPr>
+          <p:cNvPicPr>
+            <a:picLocks noGrp="1" noChangeAspect="1"/>
+          </p:cNvPicPr>
+          <p:nvPr>
+            <p:ph idx="1"/>
+          </p:nvPr>
+        </p:nvPicPr>
+        <p:blipFill>
+          <a:blip r:embed="rId2"/>
+          <a:stretch>
+            <a:fillRect/>
+          </a:stretch>
+        </p:blipFill>
+        <p:spPr>
+          <a:xfrm>
+            <a:off x="1398017" y="2169569"/>
+            <a:ext cx="4467771" cy="3560134"/>
+          </a:xfrm>
+        </p:spPr>
+      </p:pic>
+      <p:pic>
+        <p:nvPicPr>
+          <p:cNvPr id="7" name="Picture 6">
+            <a:extLst>
+              <a:ext uri="{FF2B5EF4-FFF2-40B4-BE49-F238E27FC236}">
+                <a16:creationId xmlns:a16="http://schemas.microsoft.com/office/drawing/2014/main" id="{98603F43-C562-8671-31BC-2932D6BC0CD5}"/>
+              </a:ext>
+            </a:extLst>
+          </p:cNvPr>
+          <p:cNvPicPr>
+            <a:picLocks noChangeAspect="1"/>
+          </p:cNvPicPr>
+          <p:nvPr/>
+        </p:nvPicPr>
+        <p:blipFill>
+          <a:blip r:embed="rId3"/>
+          <a:stretch>
+            <a:fillRect/>
+          </a:stretch>
+        </p:blipFill>
+        <p:spPr>
+          <a:xfrm>
+            <a:off x="6483764" y="2169569"/>
+            <a:ext cx="4467771" cy="3560133"/>
+          </a:xfrm>
+          <a:prstGeom prst="rect">
+            <a:avLst/>
+          </a:prstGeom>
+        </p:spPr>
+      </p:pic>
+    </p:spTree>
+    <p:extLst>
+      <p:ext uri="{BB962C8B-B14F-4D97-AF65-F5344CB8AC3E}">
+        <p14:creationId xmlns:p14="http://schemas.microsoft.com/office/powerpoint/2010/main" val="1024429400"/>
+      </p:ext>
+    </p:extLst>
+  </p:cSld>
+  <p:clrMapOvr>
+    <a:masterClrMapping/>
+  </p:clrMapOvr>
+</p:sld>
+</file>
+
+<file path=ppt/slides/slide13.xml><?xml version="1.0" encoding="utf-8"?>
+<p:sld xmlns:a="http://schemas.openxmlformats.org/drawingml/2006/main" xmlns:r="http://schemas.openxmlformats.org/officeDocument/2006/relationships" xmlns:p="http://schemas.openxmlformats.org/presentationml/2006/main">
+  <p:cSld>
+    <p:spTree>
+      <p:nvGrpSpPr>
+        <p:cNvPr id="1" name=""/>
+        <p:cNvGrpSpPr/>
+        <p:nvPr/>
+      </p:nvGrpSpPr>
+      <p:grpSpPr>
+        <a:xfrm>
+          <a:off x="0" y="0"/>
+          <a:ext cx="0" cy="0"/>
+          <a:chOff x="0" y="0"/>
+          <a:chExt cx="0" cy="0"/>
+        </a:xfrm>
+      </p:grpSpPr>
+      <p:sp>
+        <p:nvSpPr>
+          <p:cNvPr id="2" name="Title 1">
+            <a:extLst>
+              <a:ext uri="{FF2B5EF4-FFF2-40B4-BE49-F238E27FC236}">
                 <a16:creationId xmlns:a16="http://schemas.microsoft.com/office/drawing/2014/main" id="{118C618C-D588-3F8D-FB4C-76DC21DC1F5F}"/>
               </a:ext>
             </a:extLst>
@@ -8443,7 +8656,7 @@
 </p:sld>
 </file>
 
-<file path=ppt/slides/slide12.xml><?xml version="1.0" encoding="utf-8"?>
+<file path=ppt/slides/slide14.xml><?xml version="1.0" encoding="utf-8"?>
 <p:sld xmlns:a="http://schemas.openxmlformats.org/drawingml/2006/main" xmlns:r="http://schemas.openxmlformats.org/officeDocument/2006/relationships" xmlns:p="http://schemas.openxmlformats.org/presentationml/2006/main">
   <p:cSld>
     <p:spTree>
@@ -10021,6 +10234,194 @@
       </p:grpSpPr>
       <p:sp>
         <p:nvSpPr>
+          <p:cNvPr id="2" name="Title 1">
+            <a:extLst>
+              <a:ext uri="{FF2B5EF4-FFF2-40B4-BE49-F238E27FC236}">
+                <a16:creationId xmlns:a16="http://schemas.microsoft.com/office/drawing/2014/main" id="{913B264F-CBD0-230C-F3D5-AA16C17D26BD}"/>
+              </a:ext>
+            </a:extLst>
+          </p:cNvPr>
+          <p:cNvSpPr>
+            <a:spLocks noGrp="1"/>
+          </p:cNvSpPr>
+          <p:nvPr>
+            <p:ph type="title"/>
+          </p:nvPr>
+        </p:nvSpPr>
+        <p:spPr/>
+        <p:txBody>
+          <a:bodyPr/>
+          <a:lstStyle/>
+          <a:p>
+            <a:r>
+              <a:rPr lang="en-IN" dirty="0"/>
+              <a:t>Objective</a:t>
+            </a:r>
+          </a:p>
+        </p:txBody>
+      </p:sp>
+      <p:sp>
+        <p:nvSpPr>
+          <p:cNvPr id="3" name="Content Placeholder 2">
+            <a:extLst>
+              <a:ext uri="{FF2B5EF4-FFF2-40B4-BE49-F238E27FC236}">
+                <a16:creationId xmlns:a16="http://schemas.microsoft.com/office/drawing/2014/main" id="{B6111F5E-5483-8057-E0E8-2A1E142B4D19}"/>
+              </a:ext>
+            </a:extLst>
+          </p:cNvPr>
+          <p:cNvSpPr>
+            <a:spLocks noGrp="1"/>
+          </p:cNvSpPr>
+          <p:nvPr>
+            <p:ph idx="1"/>
+          </p:nvPr>
+        </p:nvSpPr>
+        <p:spPr>
+          <a:xfrm>
+            <a:off x="883920" y="1737360"/>
+            <a:ext cx="10241280" cy="4215384"/>
+          </a:xfrm>
+        </p:spPr>
+        <p:txBody>
+          <a:bodyPr>
+            <a:normAutofit/>
+          </a:bodyPr>
+          <a:lstStyle/>
+          <a:p>
+            <a:pPr marL="0" indent="0" algn="l">
+              <a:buNone/>
+            </a:pPr>
+            <a:r>
+              <a:rPr lang="en-US" sz="1800" u="sng" dirty="0"/>
+              <a:t>Leveraging Advanced NLP for Enhanced Restaurant Feedback Analysis</a:t>
+            </a:r>
+          </a:p>
+          <a:p>
+            <a:pPr marL="0" indent="0" algn="l">
+              <a:buNone/>
+            </a:pPr>
+            <a:r>
+              <a:rPr lang="en-US" sz="1400" dirty="0"/>
+              <a:t>Goal: Utilize cutting-edge NLP techniques, including Deep Learning Algorithms such as LSTM models, to conduct a deep semantic analysis of restaurant feedback.</a:t>
+            </a:r>
+          </a:p>
+          <a:p>
+            <a:pPr marL="0" indent="0" algn="l">
+              <a:buNone/>
+            </a:pPr>
+            <a:r>
+              <a:rPr lang="en-US" sz="1400" dirty="0"/>
+              <a:t>Purpose: Extract actionable insights to boost customer satisfaction and competitive edge for restaurants.</a:t>
+            </a:r>
+          </a:p>
+          <a:p>
+            <a:pPr marL="0" indent="0" algn="l">
+              <a:buNone/>
+            </a:pPr>
+            <a:r>
+              <a:rPr lang="en-US" sz="1400" dirty="0"/>
+              <a:t>Workflow:</a:t>
+            </a:r>
+          </a:p>
+          <a:p>
+            <a:pPr marL="868680" lvl="1" indent="-228600">
+              <a:buFont typeface="Arial" panose="020B0604020202020204" pitchFamily="34" charset="0"/>
+              <a:buChar char="•"/>
+            </a:pPr>
+            <a:r>
+              <a:rPr lang="en-US" sz="1400" b="1" dirty="0"/>
+              <a:t>Data Collection</a:t>
+            </a:r>
+            <a:r>
+              <a:rPr lang="en-US" sz="1400" dirty="0"/>
+              <a:t>: Gather diverse feedback from multiple online platforms to ensure a comprehensive dataset.</a:t>
+            </a:r>
+          </a:p>
+          <a:p>
+            <a:pPr marL="868680" lvl="1" indent="-228600">
+              <a:buFont typeface="Arial" panose="020B0604020202020204" pitchFamily="34" charset="0"/>
+              <a:buChar char="•"/>
+            </a:pPr>
+            <a:r>
+              <a:rPr lang="en-US" sz="1400" b="1" dirty="0"/>
+              <a:t>Preprocessing</a:t>
+            </a:r>
+            <a:r>
+              <a:rPr lang="en-US" sz="1400" dirty="0"/>
+              <a:t>: Implement rigorous data cleaning for consistency and noise reduction.</a:t>
+            </a:r>
+          </a:p>
+          <a:p>
+            <a:pPr marL="868680" lvl="1" indent="-228600">
+              <a:buFont typeface="Arial" panose="020B0604020202020204" pitchFamily="34" charset="0"/>
+              <a:buChar char="•"/>
+            </a:pPr>
+            <a:r>
+              <a:rPr lang="en-US" sz="1400" b="1" dirty="0"/>
+              <a:t>Model Development and Evaluation</a:t>
+            </a:r>
+            <a:r>
+              <a:rPr lang="en-US" sz="1400" dirty="0"/>
+              <a:t>: Develop sentiment analysis and topic modeling tools, evaluated via accuracy and F1 scores.</a:t>
+            </a:r>
+          </a:p>
+          <a:p>
+            <a:pPr marL="868680" lvl="1" indent="-228600">
+              <a:buFont typeface="Arial" panose="020B0604020202020204" pitchFamily="34" charset="0"/>
+              <a:buChar char="•"/>
+            </a:pPr>
+            <a:r>
+              <a:rPr lang="en-US" sz="1400" b="1" dirty="0"/>
+              <a:t>Visualization</a:t>
+            </a:r>
+            <a:r>
+              <a:rPr lang="en-US" sz="1400" dirty="0"/>
+              <a:t>: Create intuitive visualizations to clearly communicate findings to stakeholders.</a:t>
+            </a:r>
+          </a:p>
+          <a:p>
+            <a:pPr marL="0" indent="0" algn="l">
+              <a:buNone/>
+            </a:pPr>
+            <a:r>
+              <a:rPr lang="en-US" sz="1400" dirty="0"/>
+              <a:t>Impact: Enhance the decision-making process in the restaurant industry and advance the application of NLP in business analytics.</a:t>
+            </a:r>
+          </a:p>
+        </p:txBody>
+      </p:sp>
+    </p:spTree>
+    <p:extLst>
+      <p:ext uri="{BB962C8B-B14F-4D97-AF65-F5344CB8AC3E}">
+        <p14:creationId xmlns:p14="http://schemas.microsoft.com/office/powerpoint/2010/main" val="1172951778"/>
+      </p:ext>
+    </p:extLst>
+  </p:cSld>
+  <p:clrMapOvr>
+    <a:masterClrMapping/>
+  </p:clrMapOvr>
+</p:sld>
+</file>
+
+<file path=ppt/slides/slide6.xml><?xml version="1.0" encoding="utf-8"?>
+<p:sld xmlns:a="http://schemas.openxmlformats.org/drawingml/2006/main" xmlns:r="http://schemas.openxmlformats.org/officeDocument/2006/relationships" xmlns:p="http://schemas.openxmlformats.org/presentationml/2006/main">
+  <p:cSld>
+    <p:spTree>
+      <p:nvGrpSpPr>
+        <p:cNvPr id="1" name=""/>
+        <p:cNvGrpSpPr/>
+        <p:nvPr/>
+      </p:nvGrpSpPr>
+      <p:grpSpPr>
+        <a:xfrm>
+          <a:off x="0" y="0"/>
+          <a:ext cx="0" cy="0"/>
+          <a:chOff x="0" y="0"/>
+          <a:chExt cx="0" cy="0"/>
+        </a:xfrm>
+      </p:grpSpPr>
+      <p:sp>
+        <p:nvSpPr>
           <p:cNvPr id="3" name="Content Placeholder 2">
             <a:extLst>
               <a:ext uri="{FF2B5EF4-FFF2-40B4-BE49-F238E27FC236}">
@@ -10243,194 +10644,6 @@
     <p:extLst>
       <p:ext uri="{BB962C8B-B14F-4D97-AF65-F5344CB8AC3E}">
         <p14:creationId xmlns:p14="http://schemas.microsoft.com/office/powerpoint/2010/main" val="3256823678"/>
-      </p:ext>
-    </p:extLst>
-  </p:cSld>
-  <p:clrMapOvr>
-    <a:masterClrMapping/>
-  </p:clrMapOvr>
-</p:sld>
-</file>
-
-<file path=ppt/slides/slide6.xml><?xml version="1.0" encoding="utf-8"?>
-<p:sld xmlns:a="http://schemas.openxmlformats.org/drawingml/2006/main" xmlns:r="http://schemas.openxmlformats.org/officeDocument/2006/relationships" xmlns:p="http://schemas.openxmlformats.org/presentationml/2006/main">
-  <p:cSld>
-    <p:spTree>
-      <p:nvGrpSpPr>
-        <p:cNvPr id="1" name=""/>
-        <p:cNvGrpSpPr/>
-        <p:nvPr/>
-      </p:nvGrpSpPr>
-      <p:grpSpPr>
-        <a:xfrm>
-          <a:off x="0" y="0"/>
-          <a:ext cx="0" cy="0"/>
-          <a:chOff x="0" y="0"/>
-          <a:chExt cx="0" cy="0"/>
-        </a:xfrm>
-      </p:grpSpPr>
-      <p:sp>
-        <p:nvSpPr>
-          <p:cNvPr id="2" name="Title 1">
-            <a:extLst>
-              <a:ext uri="{FF2B5EF4-FFF2-40B4-BE49-F238E27FC236}">
-                <a16:creationId xmlns:a16="http://schemas.microsoft.com/office/drawing/2014/main" id="{913B264F-CBD0-230C-F3D5-AA16C17D26BD}"/>
-              </a:ext>
-            </a:extLst>
-          </p:cNvPr>
-          <p:cNvSpPr>
-            <a:spLocks noGrp="1"/>
-          </p:cNvSpPr>
-          <p:nvPr>
-            <p:ph type="title"/>
-          </p:nvPr>
-        </p:nvSpPr>
-        <p:spPr/>
-        <p:txBody>
-          <a:bodyPr/>
-          <a:lstStyle/>
-          <a:p>
-            <a:r>
-              <a:rPr lang="en-IN" dirty="0"/>
-              <a:t>Objective</a:t>
-            </a:r>
-          </a:p>
-        </p:txBody>
-      </p:sp>
-      <p:sp>
-        <p:nvSpPr>
-          <p:cNvPr id="3" name="Content Placeholder 2">
-            <a:extLst>
-              <a:ext uri="{FF2B5EF4-FFF2-40B4-BE49-F238E27FC236}">
-                <a16:creationId xmlns:a16="http://schemas.microsoft.com/office/drawing/2014/main" id="{B6111F5E-5483-8057-E0E8-2A1E142B4D19}"/>
-              </a:ext>
-            </a:extLst>
-          </p:cNvPr>
-          <p:cNvSpPr>
-            <a:spLocks noGrp="1"/>
-          </p:cNvSpPr>
-          <p:nvPr>
-            <p:ph idx="1"/>
-          </p:nvPr>
-        </p:nvSpPr>
-        <p:spPr>
-          <a:xfrm>
-            <a:off x="883920" y="1737360"/>
-            <a:ext cx="10241280" cy="4215384"/>
-          </a:xfrm>
-        </p:spPr>
-        <p:txBody>
-          <a:bodyPr>
-            <a:normAutofit/>
-          </a:bodyPr>
-          <a:lstStyle/>
-          <a:p>
-            <a:pPr marL="0" indent="0" algn="l">
-              <a:buNone/>
-            </a:pPr>
-            <a:r>
-              <a:rPr lang="en-US" sz="1800" u="sng" dirty="0"/>
-              <a:t>Leveraging Advanced NLP for Enhanced Restaurant Feedback Analysis</a:t>
-            </a:r>
-          </a:p>
-          <a:p>
-            <a:pPr marL="0" indent="0" algn="l">
-              <a:buNone/>
-            </a:pPr>
-            <a:r>
-              <a:rPr lang="en-US" sz="1400" dirty="0"/>
-              <a:t>Goal: Utilize cutting-edge NLP techniques, including Deep Learning Algorithms such as LSTM models, to conduct a deep semantic analysis of restaurant feedback.</a:t>
-            </a:r>
-          </a:p>
-          <a:p>
-            <a:pPr marL="0" indent="0" algn="l">
-              <a:buNone/>
-            </a:pPr>
-            <a:r>
-              <a:rPr lang="en-US" sz="1400" dirty="0"/>
-              <a:t>Purpose: Extract actionable insights to boost customer satisfaction and competitive edge for restaurants.</a:t>
-            </a:r>
-          </a:p>
-          <a:p>
-            <a:pPr marL="0" indent="0" algn="l">
-              <a:buNone/>
-            </a:pPr>
-            <a:r>
-              <a:rPr lang="en-US" sz="1400" dirty="0"/>
-              <a:t>Workflow:</a:t>
-            </a:r>
-          </a:p>
-          <a:p>
-            <a:pPr marL="868680" lvl="1" indent="-228600">
-              <a:buFont typeface="Arial" panose="020B0604020202020204" pitchFamily="34" charset="0"/>
-              <a:buChar char="•"/>
-            </a:pPr>
-            <a:r>
-              <a:rPr lang="en-US" sz="1400" b="1" dirty="0"/>
-              <a:t>Data Collection</a:t>
-            </a:r>
-            <a:r>
-              <a:rPr lang="en-US" sz="1400" dirty="0"/>
-              <a:t>: Gather diverse feedback from multiple online platforms to ensure a comprehensive dataset.</a:t>
-            </a:r>
-          </a:p>
-          <a:p>
-            <a:pPr marL="868680" lvl="1" indent="-228600">
-              <a:buFont typeface="Arial" panose="020B0604020202020204" pitchFamily="34" charset="0"/>
-              <a:buChar char="•"/>
-            </a:pPr>
-            <a:r>
-              <a:rPr lang="en-US" sz="1400" b="1" dirty="0"/>
-              <a:t>Preprocessing</a:t>
-            </a:r>
-            <a:r>
-              <a:rPr lang="en-US" sz="1400" dirty="0"/>
-              <a:t>: Implement rigorous data cleaning for consistency and noise reduction.</a:t>
-            </a:r>
-          </a:p>
-          <a:p>
-            <a:pPr marL="868680" lvl="1" indent="-228600">
-              <a:buFont typeface="Arial" panose="020B0604020202020204" pitchFamily="34" charset="0"/>
-              <a:buChar char="•"/>
-            </a:pPr>
-            <a:r>
-              <a:rPr lang="en-US" sz="1400" b="1" dirty="0"/>
-              <a:t>Model Development and Evaluation</a:t>
-            </a:r>
-            <a:r>
-              <a:rPr lang="en-US" sz="1400" dirty="0"/>
-              <a:t>: Develop sentiment analysis and topic modeling tools, evaluated via accuracy and F1 scores.</a:t>
-            </a:r>
-          </a:p>
-          <a:p>
-            <a:pPr marL="868680" lvl="1" indent="-228600">
-              <a:buFont typeface="Arial" panose="020B0604020202020204" pitchFamily="34" charset="0"/>
-              <a:buChar char="•"/>
-            </a:pPr>
-            <a:r>
-              <a:rPr lang="en-US" sz="1400" b="1" dirty="0"/>
-              <a:t>Visualization</a:t>
-            </a:r>
-            <a:r>
-              <a:rPr lang="en-US" sz="1400" dirty="0"/>
-              <a:t>: Create intuitive visualizations to clearly communicate findings to stakeholders.</a:t>
-            </a:r>
-          </a:p>
-          <a:p>
-            <a:pPr marL="0" indent="0" algn="l">
-              <a:buNone/>
-            </a:pPr>
-            <a:r>
-              <a:rPr lang="en-US" sz="1400" dirty="0"/>
-              <a:t>Impact: Enhance the decision-making process in the restaurant industry and advance the application of NLP in business analytics.</a:t>
-            </a:r>
-          </a:p>
-        </p:txBody>
-      </p:sp>
-    </p:spTree>
-    <p:extLst>
-      <p:ext uri="{BB962C8B-B14F-4D97-AF65-F5344CB8AC3E}">
-        <p14:creationId xmlns:p14="http://schemas.microsoft.com/office/powerpoint/2010/main" val="1172951778"/>
       </p:ext>
     </p:extLst>
   </p:cSld>
@@ -11377,24 +11590,6 @@
 </file>
 
 <file path=customXml/item1.xml><?xml version="1.0" encoding="utf-8"?>
-<p:properties xmlns:p="http://schemas.microsoft.com/office/2006/metadata/properties" xmlns:xsi="http://www.w3.org/2001/XMLSchema-instance" xmlns:pc="http://schemas.microsoft.com/office/infopath/2007/PartnerControls">
-  <documentManagement>
-    <Status xmlns="71af3243-3dd4-4a8d-8c0d-dd76da1f02a5">Not started</Status>
-    <MediaServiceKeyPoints xmlns="71af3243-3dd4-4a8d-8c0d-dd76da1f02a5" xsi:nil="true"/>
-  </documentManagement>
-</p:properties>
-</file>
-
-<file path=customXml/item2.xml><?xml version="1.0" encoding="utf-8"?>
-<?mso-contentType ?>
-<FormTemplates xmlns="http://schemas.microsoft.com/sharepoint/v3/contenttype/forms">
-  <Display>DocumentLibraryForm</Display>
-  <Edit>DocumentLibraryForm</Edit>
-  <New>DocumentLibraryForm</New>
-</FormTemplates>
-</file>
-
-<file path=customXml/item3.xml><?xml version="1.0" encoding="utf-8"?>
 <ct:contentTypeSchema xmlns:ct="http://schemas.microsoft.com/office/2006/metadata/contentType" xmlns:ma="http://schemas.microsoft.com/office/2006/metadata/properties/metaAttributes" ct:_="" ma:_="" ma:contentTypeName="Document" ma:contentTypeID="0x01010079F111ED35F8CC479449609E8A0923A6" ma:contentTypeVersion="12" ma:contentTypeDescription="Create a new document." ma:contentTypeScope="" ma:versionID="a410dd7f93c95333ffa1b60ed6adedd1">
   <xsd:schema xmlns:xsd="http://www.w3.org/2001/XMLSchema" xmlns:xs="http://www.w3.org/2001/XMLSchema" xmlns:p="http://schemas.microsoft.com/office/2006/metadata/properties" xmlns:ns2="71af3243-3dd4-4a8d-8c0d-dd76da1f02a5" xmlns:ns3="16c05727-aa75-4e4a-9b5f-8a80a1165891" targetNamespace="http://schemas.microsoft.com/office/2006/metadata/properties" ma:root="true" ma:fieldsID="a936d9baba76aa3866493feff160faab" ns2:_="" ns3:_="">
     <xsd:import namespace="71af3243-3dd4-4a8d-8c0d-dd76da1f02a5"/>
@@ -11615,25 +11810,25 @@
 </ct:contentTypeSchema>
 </file>
 
-<file path=customXml/itemProps1.xml><?xml version="1.0" encoding="utf-8"?>
-<ds:datastoreItem xmlns:ds="http://schemas.openxmlformats.org/officeDocument/2006/customXml" ds:itemID="{B975FBC4-9D33-46BE-911D-419763BA9AF9}">
-  <ds:schemaRefs>
-    <ds:schemaRef ds:uri="http://schemas.microsoft.com/office/2006/metadata/properties"/>
-    <ds:schemaRef ds:uri="http://schemas.microsoft.com/office/infopath/2007/PartnerControls"/>
-    <ds:schemaRef ds:uri="71af3243-3dd4-4a8d-8c0d-dd76da1f02a5"/>
-  </ds:schemaRefs>
-</ds:datastoreItem>
+<file path=customXml/item2.xml><?xml version="1.0" encoding="utf-8"?>
+<?mso-contentType ?>
+<FormTemplates xmlns="http://schemas.microsoft.com/sharepoint/v3/contenttype/forms">
+  <Display>DocumentLibraryForm</Display>
+  <Edit>DocumentLibraryForm</Edit>
+  <New>DocumentLibraryForm</New>
+</FormTemplates>
 </file>
 
-<file path=customXml/itemProps2.xml><?xml version="1.0" encoding="utf-8"?>
-<ds:datastoreItem xmlns:ds="http://schemas.openxmlformats.org/officeDocument/2006/customXml" ds:itemID="{294F055B-D391-44D3-A87A-BCD07BD5A31C}">
-  <ds:schemaRefs>
-    <ds:schemaRef ds:uri="http://schemas.microsoft.com/sharepoint/v3/contenttype/forms"/>
-  </ds:schemaRefs>
-</ds:datastoreItem>
+<file path=customXml/item3.xml><?xml version="1.0" encoding="utf-8"?>
+<p:properties xmlns:p="http://schemas.microsoft.com/office/2006/metadata/properties" xmlns:xsi="http://www.w3.org/2001/XMLSchema-instance" xmlns:pc="http://schemas.microsoft.com/office/infopath/2007/PartnerControls">
+  <documentManagement>
+    <Status xmlns="71af3243-3dd4-4a8d-8c0d-dd76da1f02a5">Not started</Status>
+    <MediaServiceKeyPoints xmlns="71af3243-3dd4-4a8d-8c0d-dd76da1f02a5" xsi:nil="true"/>
+  </documentManagement>
+</p:properties>
 </file>
 
-<file path=customXml/itemProps3.xml><?xml version="1.0" encoding="utf-8"?>
+<file path=customXml/itemProps1.xml><?xml version="1.0" encoding="utf-8"?>
 <ds:datastoreItem xmlns:ds="http://schemas.openxmlformats.org/officeDocument/2006/customXml" ds:itemID="{26DBD101-FC0A-4B21-82B0-57CAA7AEEC71}">
   <ds:schemaRefs>
     <ds:schemaRef ds:uri="http://schemas.microsoft.com/office/2006/metadata/contentType"/>
@@ -11650,4 +11845,22 @@
     <ds:schemaRef ds:uri="http://schemas.microsoft.com/internal/obd"/>
   </ds:schemaRefs>
 </ds:datastoreItem>
+</file>
+
+<file path=customXml/itemProps2.xml><?xml version="1.0" encoding="utf-8"?>
+<ds:datastoreItem xmlns:ds="http://schemas.openxmlformats.org/officeDocument/2006/customXml" ds:itemID="{294F055B-D391-44D3-A87A-BCD07BD5A31C}">
+  <ds:schemaRefs>
+    <ds:schemaRef ds:uri="http://schemas.microsoft.com/sharepoint/v3/contenttype/forms"/>
+  </ds:schemaRefs>
+</ds:datastoreItem>
+</file>
+
+<file path=customXml/itemProps3.xml><?xml version="1.0" encoding="utf-8"?>
+<ds:datastoreItem xmlns:ds="http://schemas.openxmlformats.org/officeDocument/2006/customXml" ds:itemID="{B975FBC4-9D33-46BE-911D-419763BA9AF9}">
+  <ds:schemaRefs>
+    <ds:schemaRef ds:uri="http://schemas.microsoft.com/office/2006/metadata/properties"/>
+    <ds:schemaRef ds:uri="http://schemas.microsoft.com/office/infopath/2007/PartnerControls"/>
+    <ds:schemaRef ds:uri="71af3243-3dd4-4a8d-8c0d-dd76da1f02a5"/>
+  </ds:schemaRefs>
+</ds:datastoreItem>
 </file>
--- a/CS5720-Neural Network and Deep Learning/NN_Final_Project/Documentation/Project Presentation.pptx
+++ b/CS5720-Neural Network and Deep Learning/NN_Final_Project/Documentation/Project Presentation.pptx
@@ -8248,8 +8248,8 @@
         </p:blipFill>
         <p:spPr>
           <a:xfrm>
-            <a:off x="1398017" y="2169569"/>
-            <a:ext cx="4467771" cy="3560134"/>
+            <a:off x="453987" y="1822435"/>
+            <a:ext cx="2903355" cy="2313532"/>
           </a:xfrm>
         </p:spPr>
       </p:pic>
@@ -8275,8 +8275,68 @@
         </p:blipFill>
         <p:spPr>
           <a:xfrm>
-            <a:off x="6483764" y="2169569"/>
-            <a:ext cx="4467771" cy="3560133"/>
+            <a:off x="3405024" y="1822435"/>
+            <a:ext cx="2903356" cy="2313532"/>
+          </a:xfrm>
+          <a:prstGeom prst="rect">
+            <a:avLst/>
+          </a:prstGeom>
+        </p:spPr>
+      </p:pic>
+      <p:pic>
+        <p:nvPicPr>
+          <p:cNvPr id="4" name="Picture 3">
+            <a:extLst>
+              <a:ext uri="{FF2B5EF4-FFF2-40B4-BE49-F238E27FC236}">
+                <a16:creationId xmlns:a16="http://schemas.microsoft.com/office/drawing/2014/main" id="{4A3DCD1E-C6EA-AA3E-2405-4AFB89B20A7D}"/>
+              </a:ext>
+            </a:extLst>
+          </p:cNvPr>
+          <p:cNvPicPr>
+            <a:picLocks noChangeAspect="1"/>
+          </p:cNvPicPr>
+          <p:nvPr/>
+        </p:nvPicPr>
+        <p:blipFill>
+          <a:blip r:embed="rId4"/>
+          <a:stretch>
+            <a:fillRect/>
+          </a:stretch>
+        </p:blipFill>
+        <p:spPr>
+          <a:xfrm>
+            <a:off x="6351829" y="1822435"/>
+            <a:ext cx="2957736" cy="2313532"/>
+          </a:xfrm>
+          <a:prstGeom prst="rect">
+            <a:avLst/>
+          </a:prstGeom>
+        </p:spPr>
+      </p:pic>
+      <p:pic>
+        <p:nvPicPr>
+          <p:cNvPr id="8" name="Picture 7">
+            <a:extLst>
+              <a:ext uri="{FF2B5EF4-FFF2-40B4-BE49-F238E27FC236}">
+                <a16:creationId xmlns:a16="http://schemas.microsoft.com/office/drawing/2014/main" id="{870A17E3-BA7C-D14C-B4A2-CAAD61799A01}"/>
+              </a:ext>
+            </a:extLst>
+          </p:cNvPr>
+          <p:cNvPicPr>
+            <a:picLocks noChangeAspect="1"/>
+          </p:cNvPicPr>
+          <p:nvPr/>
+        </p:nvPicPr>
+        <p:blipFill>
+          <a:blip r:embed="rId5"/>
+          <a:stretch>
+            <a:fillRect/>
+          </a:stretch>
+        </p:blipFill>
+        <p:spPr>
+          <a:xfrm>
+            <a:off x="453987" y="4281587"/>
+            <a:ext cx="6222138" cy="1334018"/>
           </a:xfrm>
           <a:prstGeom prst="rect">
             <a:avLst/>
@@ -11590,6 +11650,24 @@
 </file>
 
 <file path=customXml/item1.xml><?xml version="1.0" encoding="utf-8"?>
+<p:properties xmlns:p="http://schemas.microsoft.com/office/2006/metadata/properties" xmlns:xsi="http://www.w3.org/2001/XMLSchema-instance" xmlns:pc="http://schemas.microsoft.com/office/infopath/2007/PartnerControls">
+  <documentManagement>
+    <Status xmlns="71af3243-3dd4-4a8d-8c0d-dd76da1f02a5">Not started</Status>
+    <MediaServiceKeyPoints xmlns="71af3243-3dd4-4a8d-8c0d-dd76da1f02a5" xsi:nil="true"/>
+  </documentManagement>
+</p:properties>
+</file>
+
+<file path=customXml/item2.xml><?xml version="1.0" encoding="utf-8"?>
+<?mso-contentType ?>
+<FormTemplates xmlns="http://schemas.microsoft.com/sharepoint/v3/contenttype/forms">
+  <Display>DocumentLibraryForm</Display>
+  <Edit>DocumentLibraryForm</Edit>
+  <New>DocumentLibraryForm</New>
+</FormTemplates>
+</file>
+
+<file path=customXml/item3.xml><?xml version="1.0" encoding="utf-8"?>
 <ct:contentTypeSchema xmlns:ct="http://schemas.microsoft.com/office/2006/metadata/contentType" xmlns:ma="http://schemas.microsoft.com/office/2006/metadata/properties/metaAttributes" ct:_="" ma:_="" ma:contentTypeName="Document" ma:contentTypeID="0x01010079F111ED35F8CC479449609E8A0923A6" ma:contentTypeVersion="12" ma:contentTypeDescription="Create a new document." ma:contentTypeScope="" ma:versionID="a410dd7f93c95333ffa1b60ed6adedd1">
   <xsd:schema xmlns:xsd="http://www.w3.org/2001/XMLSchema" xmlns:xs="http://www.w3.org/2001/XMLSchema" xmlns:p="http://schemas.microsoft.com/office/2006/metadata/properties" xmlns:ns2="71af3243-3dd4-4a8d-8c0d-dd76da1f02a5" xmlns:ns3="16c05727-aa75-4e4a-9b5f-8a80a1165891" targetNamespace="http://schemas.microsoft.com/office/2006/metadata/properties" ma:root="true" ma:fieldsID="a936d9baba76aa3866493feff160faab" ns2:_="" ns3:_="">
     <xsd:import namespace="71af3243-3dd4-4a8d-8c0d-dd76da1f02a5"/>
@@ -11810,25 +11888,25 @@
 </ct:contentTypeSchema>
 </file>
 
-<file path=customXml/item2.xml><?xml version="1.0" encoding="utf-8"?>
-<?mso-contentType ?>
-<FormTemplates xmlns="http://schemas.microsoft.com/sharepoint/v3/contenttype/forms">
-  <Display>DocumentLibraryForm</Display>
-  <Edit>DocumentLibraryForm</Edit>
-  <New>DocumentLibraryForm</New>
-</FormTemplates>
+<file path=customXml/itemProps1.xml><?xml version="1.0" encoding="utf-8"?>
+<ds:datastoreItem xmlns:ds="http://schemas.openxmlformats.org/officeDocument/2006/customXml" ds:itemID="{B975FBC4-9D33-46BE-911D-419763BA9AF9}">
+  <ds:schemaRefs>
+    <ds:schemaRef ds:uri="http://schemas.microsoft.com/office/2006/metadata/properties"/>
+    <ds:schemaRef ds:uri="http://schemas.microsoft.com/office/infopath/2007/PartnerControls"/>
+    <ds:schemaRef ds:uri="71af3243-3dd4-4a8d-8c0d-dd76da1f02a5"/>
+  </ds:schemaRefs>
+</ds:datastoreItem>
 </file>
 
-<file path=customXml/item3.xml><?xml version="1.0" encoding="utf-8"?>
-<p:properties xmlns:p="http://schemas.microsoft.com/office/2006/metadata/properties" xmlns:xsi="http://www.w3.org/2001/XMLSchema-instance" xmlns:pc="http://schemas.microsoft.com/office/infopath/2007/PartnerControls">
-  <documentManagement>
-    <Status xmlns="71af3243-3dd4-4a8d-8c0d-dd76da1f02a5">Not started</Status>
-    <MediaServiceKeyPoints xmlns="71af3243-3dd4-4a8d-8c0d-dd76da1f02a5" xsi:nil="true"/>
-  </documentManagement>
-</p:properties>
+<file path=customXml/itemProps2.xml><?xml version="1.0" encoding="utf-8"?>
+<ds:datastoreItem xmlns:ds="http://schemas.openxmlformats.org/officeDocument/2006/customXml" ds:itemID="{294F055B-D391-44D3-A87A-BCD07BD5A31C}">
+  <ds:schemaRefs>
+    <ds:schemaRef ds:uri="http://schemas.microsoft.com/sharepoint/v3/contenttype/forms"/>
+  </ds:schemaRefs>
+</ds:datastoreItem>
 </file>
 
-<file path=customXml/itemProps1.xml><?xml version="1.0" encoding="utf-8"?>
+<file path=customXml/itemProps3.xml><?xml version="1.0" encoding="utf-8"?>
 <ds:datastoreItem xmlns:ds="http://schemas.openxmlformats.org/officeDocument/2006/customXml" ds:itemID="{26DBD101-FC0A-4B21-82B0-57CAA7AEEC71}">
   <ds:schemaRefs>
     <ds:schemaRef ds:uri="http://schemas.microsoft.com/office/2006/metadata/contentType"/>
@@ -11845,22 +11923,4 @@
     <ds:schemaRef ds:uri="http://schemas.microsoft.com/internal/obd"/>
   </ds:schemaRefs>
 </ds:datastoreItem>
-</file>
-
-<file path=customXml/itemProps2.xml><?xml version="1.0" encoding="utf-8"?>
-<ds:datastoreItem xmlns:ds="http://schemas.openxmlformats.org/officeDocument/2006/customXml" ds:itemID="{294F055B-D391-44D3-A87A-BCD07BD5A31C}">
-  <ds:schemaRefs>
-    <ds:schemaRef ds:uri="http://schemas.microsoft.com/sharepoint/v3/contenttype/forms"/>
-  </ds:schemaRefs>
-</ds:datastoreItem>
-</file>
-
-<file path=customXml/itemProps3.xml><?xml version="1.0" encoding="utf-8"?>
-<ds:datastoreItem xmlns:ds="http://schemas.openxmlformats.org/officeDocument/2006/customXml" ds:itemID="{B975FBC4-9D33-46BE-911D-419763BA9AF9}">
-  <ds:schemaRefs>
-    <ds:schemaRef ds:uri="http://schemas.microsoft.com/office/2006/metadata/properties"/>
-    <ds:schemaRef ds:uri="http://schemas.microsoft.com/office/infopath/2007/PartnerControls"/>
-    <ds:schemaRef ds:uri="71af3243-3dd4-4a8d-8c0d-dd76da1f02a5"/>
-  </ds:schemaRefs>
-</ds:datastoreItem>
 </file>
--- a/CS5720-Neural Network and Deep Learning/NN_Final_Project/Documentation/Project Presentation.pptx
+++ b/CS5720-Neural Network and Deep Learning/NN_Final_Project/Documentation/Project Presentation.pptx
@@ -8248,8 +8248,8 @@
         </p:blipFill>
         <p:spPr>
           <a:xfrm>
-            <a:off x="453987" y="1822435"/>
-            <a:ext cx="2903355" cy="2313532"/>
+            <a:off x="521722" y="1661871"/>
+            <a:ext cx="3547001" cy="2826420"/>
           </a:xfrm>
         </p:spPr>
       </p:pic>
@@ -8275,8 +8275,8 @@
         </p:blipFill>
         <p:spPr>
           <a:xfrm>
-            <a:off x="3405024" y="1822435"/>
-            <a:ext cx="2903356" cy="2313532"/>
+            <a:off x="4234761" y="1661871"/>
+            <a:ext cx="3547003" cy="2826420"/>
           </a:xfrm>
           <a:prstGeom prst="rect">
             <a:avLst/>
@@ -8305,8 +8305,8 @@
         </p:blipFill>
         <p:spPr>
           <a:xfrm>
-            <a:off x="6351829" y="1822435"/>
-            <a:ext cx="2957736" cy="2313532"/>
+            <a:off x="7965846" y="1661871"/>
+            <a:ext cx="3613438" cy="2826420"/>
           </a:xfrm>
           <a:prstGeom prst="rect">
             <a:avLst/>
@@ -8335,8 +8335,8 @@
         </p:blipFill>
         <p:spPr>
           <a:xfrm>
-            <a:off x="453987" y="4281587"/>
-            <a:ext cx="6222138" cy="1334018"/>
+            <a:off x="547120" y="4699000"/>
+            <a:ext cx="7434464" cy="1593939"/>
           </a:xfrm>
           <a:prstGeom prst="rect">
             <a:avLst/>
@@ -9419,7 +9419,7 @@
             <p:ph idx="1"/>
             <p:extLst>
               <p:ext uri="{D42A27DB-BD31-4B8C-83A1-F6EECF244321}">
-                <p14:modId xmlns:p14="http://schemas.microsoft.com/office/powerpoint/2010/main" val="3253053935"/>
+                <p14:modId xmlns:p14="http://schemas.microsoft.com/office/powerpoint/2010/main" val="610938675"/>
               </p:ext>
             </p:extLst>
           </p:nvPr>
@@ -9537,14 +9537,35 @@
                         <a:defRPr/>
                       </a:pPr>
                       <a:r>
-                        <a:rPr lang="en-IN" sz="1400" dirty="0"/>
+                        <a:rPr lang="en-IN" sz="1800" kern="1200" dirty="0">
+                          <a:solidFill>
+                            <a:schemeClr val="dk1"/>
+                          </a:solidFill>
+                          <a:latin typeface="+mn-lt"/>
+                          <a:ea typeface="+mn-ea"/>
+                          <a:cs typeface="+mn-cs"/>
+                        </a:rPr>
                         <a:t>Charan Kumar </a:t>
                       </a:r>
                       <a:r>
-                        <a:rPr lang="en-IN" sz="1400" dirty="0" err="1"/>
+                        <a:rPr lang="en-IN" sz="1800" kern="1200" dirty="0" err="1">
+                          <a:solidFill>
+                            <a:schemeClr val="dk1"/>
+                          </a:solidFill>
+                          <a:latin typeface="+mn-lt"/>
+                          <a:ea typeface="+mn-ea"/>
+                          <a:cs typeface="+mn-cs"/>
+                        </a:rPr>
                         <a:t>Kamasani</a:t>
                       </a:r>
-                      <a:endParaRPr lang="en-IN" sz="1400" dirty="0"/>
+                      <a:endParaRPr lang="en-IN" sz="1800" kern="1200" dirty="0">
+                        <a:solidFill>
+                          <a:schemeClr val="dk1"/>
+                        </a:solidFill>
+                        <a:latin typeface="+mn-lt"/>
+                        <a:ea typeface="+mn-ea"/>
+                        <a:cs typeface="+mn-cs"/>
+                      </a:endParaRPr>
                     </a:p>
                   </a:txBody>
                   <a:tcPr/>
@@ -11650,21 +11671,21 @@
 </file>
 
 <file path=customXml/item1.xml><?xml version="1.0" encoding="utf-8"?>
+<?mso-contentType ?>
+<FormTemplates xmlns="http://schemas.microsoft.com/sharepoint/v3/contenttype/forms">
+  <Display>DocumentLibraryForm</Display>
+  <Edit>DocumentLibraryForm</Edit>
+  <New>DocumentLibraryForm</New>
+</FormTemplates>
+</file>
+
+<file path=customXml/item2.xml><?xml version="1.0" encoding="utf-8"?>
 <p:properties xmlns:p="http://schemas.microsoft.com/office/2006/metadata/properties" xmlns:xsi="http://www.w3.org/2001/XMLSchema-instance" xmlns:pc="http://schemas.microsoft.com/office/infopath/2007/PartnerControls">
   <documentManagement>
     <Status xmlns="71af3243-3dd4-4a8d-8c0d-dd76da1f02a5">Not started</Status>
     <MediaServiceKeyPoints xmlns="71af3243-3dd4-4a8d-8c0d-dd76da1f02a5" xsi:nil="true"/>
   </documentManagement>
 </p:properties>
-</file>
-
-<file path=customXml/item2.xml><?xml version="1.0" encoding="utf-8"?>
-<?mso-contentType ?>
-<FormTemplates xmlns="http://schemas.microsoft.com/sharepoint/v3/contenttype/forms">
-  <Display>DocumentLibraryForm</Display>
-  <Edit>DocumentLibraryForm</Edit>
-  <New>DocumentLibraryForm</New>
-</FormTemplates>
 </file>
 
 <file path=customXml/item3.xml><?xml version="1.0" encoding="utf-8"?>
@@ -11889,19 +11910,19 @@
 </file>
 
 <file path=customXml/itemProps1.xml><?xml version="1.0" encoding="utf-8"?>
+<ds:datastoreItem xmlns:ds="http://schemas.openxmlformats.org/officeDocument/2006/customXml" ds:itemID="{294F055B-D391-44D3-A87A-BCD07BD5A31C}">
+  <ds:schemaRefs>
+    <ds:schemaRef ds:uri="http://schemas.microsoft.com/sharepoint/v3/contenttype/forms"/>
+  </ds:schemaRefs>
+</ds:datastoreItem>
+</file>
+
+<file path=customXml/itemProps2.xml><?xml version="1.0" encoding="utf-8"?>
 <ds:datastoreItem xmlns:ds="http://schemas.openxmlformats.org/officeDocument/2006/customXml" ds:itemID="{B975FBC4-9D33-46BE-911D-419763BA9AF9}">
   <ds:schemaRefs>
     <ds:schemaRef ds:uri="http://schemas.microsoft.com/office/2006/metadata/properties"/>
     <ds:schemaRef ds:uri="http://schemas.microsoft.com/office/infopath/2007/PartnerControls"/>
     <ds:schemaRef ds:uri="71af3243-3dd4-4a8d-8c0d-dd76da1f02a5"/>
-  </ds:schemaRefs>
-</ds:datastoreItem>
-</file>
-
-<file path=customXml/itemProps2.xml><?xml version="1.0" encoding="utf-8"?>
-<ds:datastoreItem xmlns:ds="http://schemas.openxmlformats.org/officeDocument/2006/customXml" ds:itemID="{294F055B-D391-44D3-A87A-BCD07BD5A31C}">
-  <ds:schemaRefs>
-    <ds:schemaRef ds:uri="http://schemas.microsoft.com/sharepoint/v3/contenttype/forms"/>
   </ds:schemaRefs>
 </ds:datastoreItem>
 </file>

--- a/CS5720-Neural Network and Deep Learning/NN_Final_Project/Documentation/Project Presentation.pptx
+++ b/CS5720-Neural Network and Deep Learning/NN_Final_Project/Documentation/Project Presentation.pptx
@@ -9419,7 +9419,7 @@
             <p:ph idx="1"/>
             <p:extLst>
               <p:ext uri="{D42A27DB-BD31-4B8C-83A1-F6EECF244321}">
-                <p14:modId xmlns:p14="http://schemas.microsoft.com/office/powerpoint/2010/main" val="610938675"/>
+                <p14:modId xmlns:p14="http://schemas.microsoft.com/office/powerpoint/2010/main" val="1789640423"/>
               </p:ext>
             </p:extLst>
           </p:nvPr>
@@ -9721,7 +9721,7 @@
                           <a:ea typeface="+mn-ea"/>
                           <a:cs typeface="+mn-cs"/>
                         </a:rPr>
-                        <a:t>Role: Data Engineer (Developer 1)</a:t>
+                        <a:t>Role: Data Engineer</a:t>
                       </a:r>
                     </a:p>
                     <a:p>
@@ -9855,7 +9855,7 @@
                           <a:ea typeface="+mn-ea"/>
                           <a:cs typeface="+mn-cs"/>
                         </a:rPr>
-                        <a:t>Role: Machine Learning Engineer and Project Coordinator (Developer 2)</a:t>
+                        <a:t>Role: Machine Learning Engineer and Project Coordinator (Developer)</a:t>
                       </a:r>
                     </a:p>
                     <a:p>
@@ -10015,8 +10015,27 @@
                           <a:ea typeface="+mn-ea"/>
                           <a:cs typeface="+mn-cs"/>
                         </a:rPr>
-                        <a:t>Role: Documentation and Reporting</a:t>
+                        <a:t>Role: Documentation </a:t>
                       </a:r>
+                      <a:r>
+                        <a:rPr lang="en-IN" sz="1400" kern="1200">
+                          <a:solidFill>
+                            <a:schemeClr val="dk1"/>
+                          </a:solidFill>
+                          <a:latin typeface="+mn-lt"/>
+                          <a:ea typeface="+mn-ea"/>
+                          <a:cs typeface="+mn-cs"/>
+                        </a:rPr>
+                        <a:t>and Reporting</a:t>
+                      </a:r>
+                      <a:endParaRPr lang="en-IN" sz="1400" kern="1200" dirty="0">
+                        <a:solidFill>
+                          <a:schemeClr val="dk1"/>
+                        </a:solidFill>
+                        <a:latin typeface="+mn-lt"/>
+                        <a:ea typeface="+mn-ea"/>
+                        <a:cs typeface="+mn-cs"/>
+                      </a:endParaRPr>
                     </a:p>
                     <a:p>
                       <a:r>
@@ -11671,24 +11690,6 @@
 </file>
 
 <file path=customXml/item1.xml><?xml version="1.0" encoding="utf-8"?>
-<?mso-contentType ?>
-<FormTemplates xmlns="http://schemas.microsoft.com/sharepoint/v3/contenttype/forms">
-  <Display>DocumentLibraryForm</Display>
-  <Edit>DocumentLibraryForm</Edit>
-  <New>DocumentLibraryForm</New>
-</FormTemplates>
-</file>
-
-<file path=customXml/item2.xml><?xml version="1.0" encoding="utf-8"?>
-<p:properties xmlns:p="http://schemas.microsoft.com/office/2006/metadata/properties" xmlns:xsi="http://www.w3.org/2001/XMLSchema-instance" xmlns:pc="http://schemas.microsoft.com/office/infopath/2007/PartnerControls">
-  <documentManagement>
-    <Status xmlns="71af3243-3dd4-4a8d-8c0d-dd76da1f02a5">Not started</Status>
-    <MediaServiceKeyPoints xmlns="71af3243-3dd4-4a8d-8c0d-dd76da1f02a5" xsi:nil="true"/>
-  </documentManagement>
-</p:properties>
-</file>
-
-<file path=customXml/item3.xml><?xml version="1.0" encoding="utf-8"?>
 <ct:contentTypeSchema xmlns:ct="http://schemas.microsoft.com/office/2006/metadata/contentType" xmlns:ma="http://schemas.microsoft.com/office/2006/metadata/properties/metaAttributes" ct:_="" ma:_="" ma:contentTypeName="Document" ma:contentTypeID="0x01010079F111ED35F8CC479449609E8A0923A6" ma:contentTypeVersion="12" ma:contentTypeDescription="Create a new document." ma:contentTypeScope="" ma:versionID="a410dd7f93c95333ffa1b60ed6adedd1">
   <xsd:schema xmlns:xsd="http://www.w3.org/2001/XMLSchema" xmlns:xs="http://www.w3.org/2001/XMLSchema" xmlns:p="http://schemas.microsoft.com/office/2006/metadata/properties" xmlns:ns2="71af3243-3dd4-4a8d-8c0d-dd76da1f02a5" xmlns:ns3="16c05727-aa75-4e4a-9b5f-8a80a1165891" targetNamespace="http://schemas.microsoft.com/office/2006/metadata/properties" ma:root="true" ma:fieldsID="a936d9baba76aa3866493feff160faab" ns2:_="" ns3:_="">
     <xsd:import namespace="71af3243-3dd4-4a8d-8c0d-dd76da1f02a5"/>
@@ -11909,25 +11910,25 @@
 </ct:contentTypeSchema>
 </file>
 
-<file path=customXml/itemProps1.xml><?xml version="1.0" encoding="utf-8"?>
-<ds:datastoreItem xmlns:ds="http://schemas.openxmlformats.org/officeDocument/2006/customXml" ds:itemID="{294F055B-D391-44D3-A87A-BCD07BD5A31C}">
-  <ds:schemaRefs>
-    <ds:schemaRef ds:uri="http://schemas.microsoft.com/sharepoint/v3/contenttype/forms"/>
-  </ds:schemaRefs>
-</ds:datastoreItem>
+<file path=customXml/item2.xml><?xml version="1.0" encoding="utf-8"?>
+<p:properties xmlns:p="http://schemas.microsoft.com/office/2006/metadata/properties" xmlns:xsi="http://www.w3.org/2001/XMLSchema-instance" xmlns:pc="http://schemas.microsoft.com/office/infopath/2007/PartnerControls">
+  <documentManagement>
+    <Status xmlns="71af3243-3dd4-4a8d-8c0d-dd76da1f02a5">Not started</Status>
+    <MediaServiceKeyPoints xmlns="71af3243-3dd4-4a8d-8c0d-dd76da1f02a5" xsi:nil="true"/>
+  </documentManagement>
+</p:properties>
 </file>
 
-<file path=customXml/itemProps2.xml><?xml version="1.0" encoding="utf-8"?>
-<ds:datastoreItem xmlns:ds="http://schemas.openxmlformats.org/officeDocument/2006/customXml" ds:itemID="{B975FBC4-9D33-46BE-911D-419763BA9AF9}">
-  <ds:schemaRefs>
-    <ds:schemaRef ds:uri="http://schemas.microsoft.com/office/2006/metadata/properties"/>
-    <ds:schemaRef ds:uri="http://schemas.microsoft.com/office/infopath/2007/PartnerControls"/>
-    <ds:schemaRef ds:uri="71af3243-3dd4-4a8d-8c0d-dd76da1f02a5"/>
-  </ds:schemaRefs>
-</ds:datastoreItem>
+<file path=customXml/item3.xml><?xml version="1.0" encoding="utf-8"?>
+<?mso-contentType ?>
+<FormTemplates xmlns="http://schemas.microsoft.com/sharepoint/v3/contenttype/forms">
+  <Display>DocumentLibraryForm</Display>
+  <Edit>DocumentLibraryForm</Edit>
+  <New>DocumentLibraryForm</New>
+</FormTemplates>
 </file>
 
-<file path=customXml/itemProps3.xml><?xml version="1.0" encoding="utf-8"?>
+<file path=customXml/itemProps1.xml><?xml version="1.0" encoding="utf-8"?>
 <ds:datastoreItem xmlns:ds="http://schemas.openxmlformats.org/officeDocument/2006/customXml" ds:itemID="{26DBD101-FC0A-4B21-82B0-57CAA7AEEC71}">
   <ds:schemaRefs>
     <ds:schemaRef ds:uri="http://schemas.microsoft.com/office/2006/metadata/contentType"/>
@@ -11944,4 +11945,22 @@
     <ds:schemaRef ds:uri="http://schemas.microsoft.com/internal/obd"/>
   </ds:schemaRefs>
 </ds:datastoreItem>
+</file>
+
+<file path=customXml/itemProps2.xml><?xml version="1.0" encoding="utf-8"?>
+<ds:datastoreItem xmlns:ds="http://schemas.openxmlformats.org/officeDocument/2006/customXml" ds:itemID="{B975FBC4-9D33-46BE-911D-419763BA9AF9}">
+  <ds:schemaRefs>
+    <ds:schemaRef ds:uri="http://schemas.microsoft.com/office/2006/metadata/properties"/>
+    <ds:schemaRef ds:uri="http://schemas.microsoft.com/office/infopath/2007/PartnerControls"/>
+    <ds:schemaRef ds:uri="71af3243-3dd4-4a8d-8c0d-dd76da1f02a5"/>
+  </ds:schemaRefs>
+</ds:datastoreItem>
+</file>
+
+<file path=customXml/itemProps3.xml><?xml version="1.0" encoding="utf-8"?>
+<ds:datastoreItem xmlns:ds="http://schemas.openxmlformats.org/officeDocument/2006/customXml" ds:itemID="{294F055B-D391-44D3-A87A-BCD07BD5A31C}">
+  <ds:schemaRefs>
+    <ds:schemaRef ds:uri="http://schemas.microsoft.com/sharepoint/v3/contenttype/forms"/>
+  </ds:schemaRefs>
+</ds:datastoreItem>
 </file>